--- a/Week8/Week8.pptx
+++ b/Week8/Week8.pptx
@@ -4567,11 +4567,11 @@
               <a:t>thứ</a:t>
             </a:r>
             <a:r>
-              <a:rPr lang="en-US" sz="1100" dirty="0">
-                <a:latin typeface="Tahoma"/>
-                <a:cs typeface="Tahoma"/>
-              </a:rPr>
-              <a:t> 7 </a:t>
+              <a:rPr lang="en-US" sz="1100">
+                <a:latin typeface="Tahoma"/>
+                <a:cs typeface="Tahoma"/>
+              </a:rPr>
+              <a:t> 8 </a:t>
             </a:r>
             <a:r>
               <a:rPr lang="en-US" sz="1100" dirty="0" err="1">
